--- a/2025_slides/AI_for_recruitment_companies_Ja_v3.pptx
+++ b/2025_slides/AI_for_recruitment_companies_Ja_v3.pptx
@@ -1455,7 +1455,7 @@
           <a:p>
             <a:fld id="{0DDD35C3-FDA7-4782-83C8-6E99F1C6D481}" type="datetimeFigureOut">
               <a:rPr kumimoji="1" lang="ja-JP" altLang="en-US" smtClean="0"/>
-              <a:t>2025/11/12</a:t>
+              <a:t>2025/11/13</a:t>
             </a:fld>
             <a:endParaRPr kumimoji="1" lang="ja-JP" altLang="en-US"/>
           </a:p>
@@ -2408,7 +2408,7 @@
           <a:p>
             <a:fld id="{0C951353-040E-4873-A6AB-5A3125AC1941}" type="datetimeFigureOut">
               <a:rPr kumimoji="1" lang="ja-JP" altLang="en-US" smtClean="0"/>
-              <a:t>2025/11/12</a:t>
+              <a:t>2025/11/13</a:t>
             </a:fld>
             <a:endParaRPr kumimoji="1" lang="ja-JP" altLang="en-US"/>
           </a:p>
@@ -2746,7 +2746,7 @@
           <a:p>
             <a:fld id="{0C951353-040E-4873-A6AB-5A3125AC1941}" type="datetimeFigureOut">
               <a:rPr kumimoji="1" lang="ja-JP" altLang="en-US" smtClean="0"/>
-              <a:t>2025/11/12</a:t>
+              <a:t>2025/11/13</a:t>
             </a:fld>
             <a:endParaRPr kumimoji="1" lang="ja-JP" altLang="en-US"/>
           </a:p>
@@ -3147,7 +3147,7 @@
           <a:p>
             <a:fld id="{0C951353-040E-4873-A6AB-5A3125AC1941}" type="datetimeFigureOut">
               <a:rPr kumimoji="1" lang="ja-JP" altLang="en-US" smtClean="0"/>
-              <a:t>2025/11/12</a:t>
+              <a:t>2025/11/13</a:t>
             </a:fld>
             <a:endParaRPr kumimoji="1" lang="ja-JP" altLang="en-US"/>
           </a:p>
@@ -3483,7 +3483,7 @@
           <a:p>
             <a:fld id="{0C951353-040E-4873-A6AB-5A3125AC1941}" type="datetimeFigureOut">
               <a:rPr kumimoji="1" lang="ja-JP" altLang="en-US" smtClean="0"/>
-              <a:t>2025/11/12</a:t>
+              <a:t>2025/11/13</a:t>
             </a:fld>
             <a:endParaRPr kumimoji="1" lang="ja-JP" altLang="en-US"/>
           </a:p>
@@ -3803,7 +3803,7 @@
           <a:p>
             <a:fld id="{0C951353-040E-4873-A6AB-5A3125AC1941}" type="datetimeFigureOut">
               <a:rPr kumimoji="1" lang="ja-JP" altLang="en-US" smtClean="0"/>
-              <a:t>2025/11/12</a:t>
+              <a:t>2025/11/13</a:t>
             </a:fld>
             <a:endParaRPr kumimoji="1" lang="ja-JP" altLang="en-US"/>
           </a:p>
@@ -4199,7 +4199,7 @@
           <a:p>
             <a:fld id="{0C951353-040E-4873-A6AB-5A3125AC1941}" type="datetimeFigureOut">
               <a:rPr kumimoji="1" lang="ja-JP" altLang="en-US" smtClean="0"/>
-              <a:t>2025/11/12</a:t>
+              <a:t>2025/11/13</a:t>
             </a:fld>
             <a:endParaRPr kumimoji="1" lang="ja-JP" altLang="en-US"/>
           </a:p>
@@ -4488,7 +4488,7 @@
           <a:p>
             <a:fld id="{0C951353-040E-4873-A6AB-5A3125AC1941}" type="datetimeFigureOut">
               <a:rPr kumimoji="1" lang="ja-JP" altLang="en-US" smtClean="0"/>
-              <a:t>2025/11/12</a:t>
+              <a:t>2025/11/13</a:t>
             </a:fld>
             <a:endParaRPr kumimoji="1" lang="ja-JP" altLang="en-US"/>
           </a:p>
@@ -4782,7 +4782,7 @@
           <a:p>
             <a:fld id="{0C951353-040E-4873-A6AB-5A3125AC1941}" type="datetimeFigureOut">
               <a:rPr kumimoji="1" lang="ja-JP" altLang="en-US" smtClean="0"/>
-              <a:t>2025/11/12</a:t>
+              <a:t>2025/11/13</a:t>
             </a:fld>
             <a:endParaRPr kumimoji="1" lang="ja-JP" altLang="en-US"/>
           </a:p>
@@ -5076,7 +5076,7 @@
           <a:p>
             <a:fld id="{0C951353-040E-4873-A6AB-5A3125AC1941}" type="datetimeFigureOut">
               <a:rPr kumimoji="1" lang="ja-JP" altLang="en-US" smtClean="0"/>
-              <a:t>2025/11/12</a:t>
+              <a:t>2025/11/13</a:t>
             </a:fld>
             <a:endParaRPr kumimoji="1" lang="ja-JP" altLang="en-US"/>
           </a:p>
@@ -5405,7 +5405,7 @@
           <a:p>
             <a:fld id="{0C951353-040E-4873-A6AB-5A3125AC1941}" type="datetimeFigureOut">
               <a:rPr kumimoji="1" lang="ja-JP" altLang="en-US" smtClean="0"/>
-              <a:t>2025/11/12</a:t>
+              <a:t>2025/11/13</a:t>
             </a:fld>
             <a:endParaRPr kumimoji="1" lang="ja-JP" altLang="en-US"/>
           </a:p>
@@ -5792,7 +5792,7 @@
           <a:p>
             <a:fld id="{0C951353-040E-4873-A6AB-5A3125AC1941}" type="datetimeFigureOut">
               <a:rPr kumimoji="1" lang="ja-JP" altLang="en-US" smtClean="0"/>
-              <a:t>2025/11/12</a:t>
+              <a:t>2025/11/13</a:t>
             </a:fld>
             <a:endParaRPr kumimoji="1" lang="ja-JP" altLang="en-US"/>
           </a:p>
@@ -6313,7 +6313,7 @@
           <a:p>
             <a:fld id="{0C951353-040E-4873-A6AB-5A3125AC1941}" type="datetimeFigureOut">
               <a:rPr kumimoji="1" lang="ja-JP" altLang="en-US" smtClean="0"/>
-              <a:t>2025/11/12</a:t>
+              <a:t>2025/11/13</a:t>
             </a:fld>
             <a:endParaRPr kumimoji="1" lang="ja-JP" altLang="en-US"/>
           </a:p>
@@ -6518,7 +6518,7 @@
           <a:p>
             <a:fld id="{0C951353-040E-4873-A6AB-5A3125AC1941}" type="datetimeFigureOut">
               <a:rPr kumimoji="1" lang="ja-JP" altLang="en-US" smtClean="0"/>
-              <a:t>2025/11/12</a:t>
+              <a:t>2025/11/13</a:t>
             </a:fld>
             <a:endParaRPr kumimoji="1" lang="ja-JP" altLang="en-US"/>
           </a:p>
@@ -6695,7 +6695,7 @@
           <a:p>
             <a:fld id="{0C951353-040E-4873-A6AB-5A3125AC1941}" type="datetimeFigureOut">
               <a:rPr kumimoji="1" lang="ja-JP" altLang="en-US" smtClean="0"/>
-              <a:t>2025/11/12</a:t>
+              <a:t>2025/11/13</a:t>
             </a:fld>
             <a:endParaRPr kumimoji="1" lang="ja-JP" altLang="en-US"/>
           </a:p>
@@ -7060,7 +7060,7 @@
           <a:p>
             <a:fld id="{0C951353-040E-4873-A6AB-5A3125AC1941}" type="datetimeFigureOut">
               <a:rPr kumimoji="1" lang="ja-JP" altLang="en-US" smtClean="0"/>
-              <a:t>2025/11/12</a:t>
+              <a:t>2025/11/13</a:t>
             </a:fld>
             <a:endParaRPr kumimoji="1" lang="ja-JP" altLang="en-US"/>
           </a:p>
@@ -7405,7 +7405,7 @@
           <a:p>
             <a:fld id="{0C951353-040E-4873-A6AB-5A3125AC1941}" type="datetimeFigureOut">
               <a:rPr kumimoji="1" lang="ja-JP" altLang="en-US" smtClean="0"/>
-              <a:t>2025/11/12</a:t>
+              <a:t>2025/11/13</a:t>
             </a:fld>
             <a:endParaRPr kumimoji="1" lang="ja-JP" altLang="en-US"/>
           </a:p>
@@ -9554,7 +9554,7 @@
           <a:p>
             <a:fld id="{0C951353-040E-4873-A6AB-5A3125AC1941}" type="datetimeFigureOut">
               <a:rPr kumimoji="1" lang="ja-JP" altLang="en-US" smtClean="0"/>
-              <a:t>2025/11/12</a:t>
+              <a:t>2025/11/13</a:t>
             </a:fld>
             <a:endParaRPr kumimoji="1" lang="ja-JP" altLang="en-US"/>
           </a:p>
@@ -10142,22 +10142,22 @@
         </p:nvSpPr>
         <p:spPr>
           <a:xfrm>
-            <a:off x="5526742" y="3823587"/>
+            <a:off x="5388909" y="3843758"/>
             <a:ext cx="1701052" cy="432407"/>
           </a:xfrm>
         </p:spPr>
         <p:txBody>
           <a:bodyPr>
-            <a:normAutofit/>
+            <a:normAutofit fontScale="70000" lnSpcReduction="20000"/>
           </a:bodyPr>
           <a:lstStyle/>
           <a:p>
             <a:r>
-              <a:rPr kumimoji="1" lang="en-US" altLang="ja-JP" sz="2000" dirty="0">
+              <a:rPr kumimoji="1" lang="en-US" altLang="ja-JP" sz="2000" dirty="0" err="1">
                 <a:latin typeface="+mn-ea"/>
                 <a:hlinkClick r:id="rId2"/>
               </a:rPr>
-              <a:t>Jun Liang</a:t>
+              <a:t>Moonlightsbreath</a:t>
             </a:r>
             <a:endParaRPr lang="en-US" altLang="ja-JP" sz="2000" dirty="0">
               <a:latin typeface="+mn-ea"/>
@@ -10179,7 +10179,7 @@
         </p:nvSpPr>
         <p:spPr>
           <a:xfrm>
-            <a:off x="5466230" y="4397420"/>
+            <a:off x="5466229" y="4202438"/>
             <a:ext cx="1546411" cy="369332"/>
           </a:xfrm>
           <a:prstGeom prst="rect">
